--- a/figures/overview2.pptx
+++ b/figures/overview2.pptx
@@ -259,7 +259,7 @@
           <a:p>
             <a:fld id="{B1512DED-88B9-4492-B3FA-88EE7438FFD7}" type="datetimeFigureOut">
               <a:rPr lang="zh-CN" altLang="en-US" smtClean="0"/>
-              <a:t>2024/6/8</a:t>
+              <a:t>2024/10/8</a:t>
             </a:fld>
             <a:endParaRPr lang="zh-CN" altLang="en-US"/>
           </a:p>
@@ -457,7 +457,7 @@
           <a:p>
             <a:fld id="{B1512DED-88B9-4492-B3FA-88EE7438FFD7}" type="datetimeFigureOut">
               <a:rPr lang="zh-CN" altLang="en-US" smtClean="0"/>
-              <a:t>2024/6/8</a:t>
+              <a:t>2024/10/8</a:t>
             </a:fld>
             <a:endParaRPr lang="zh-CN" altLang="en-US"/>
           </a:p>
@@ -665,7 +665,7 @@
           <a:p>
             <a:fld id="{B1512DED-88B9-4492-B3FA-88EE7438FFD7}" type="datetimeFigureOut">
               <a:rPr lang="zh-CN" altLang="en-US" smtClean="0"/>
-              <a:t>2024/6/8</a:t>
+              <a:t>2024/10/8</a:t>
             </a:fld>
             <a:endParaRPr lang="zh-CN" altLang="en-US"/>
           </a:p>
@@ -863,7 +863,7 @@
           <a:p>
             <a:fld id="{B1512DED-88B9-4492-B3FA-88EE7438FFD7}" type="datetimeFigureOut">
               <a:rPr lang="zh-CN" altLang="en-US" smtClean="0"/>
-              <a:t>2024/6/8</a:t>
+              <a:t>2024/10/8</a:t>
             </a:fld>
             <a:endParaRPr lang="zh-CN" altLang="en-US"/>
           </a:p>
@@ -1138,7 +1138,7 @@
           <a:p>
             <a:fld id="{B1512DED-88B9-4492-B3FA-88EE7438FFD7}" type="datetimeFigureOut">
               <a:rPr lang="zh-CN" altLang="en-US" smtClean="0"/>
-              <a:t>2024/6/8</a:t>
+              <a:t>2024/10/8</a:t>
             </a:fld>
             <a:endParaRPr lang="zh-CN" altLang="en-US"/>
           </a:p>
@@ -1403,7 +1403,7 @@
           <a:p>
             <a:fld id="{B1512DED-88B9-4492-B3FA-88EE7438FFD7}" type="datetimeFigureOut">
               <a:rPr lang="zh-CN" altLang="en-US" smtClean="0"/>
-              <a:t>2024/6/8</a:t>
+              <a:t>2024/10/8</a:t>
             </a:fld>
             <a:endParaRPr lang="zh-CN" altLang="en-US"/>
           </a:p>
@@ -1815,7 +1815,7 @@
           <a:p>
             <a:fld id="{B1512DED-88B9-4492-B3FA-88EE7438FFD7}" type="datetimeFigureOut">
               <a:rPr lang="zh-CN" altLang="en-US" smtClean="0"/>
-              <a:t>2024/6/8</a:t>
+              <a:t>2024/10/8</a:t>
             </a:fld>
             <a:endParaRPr lang="zh-CN" altLang="en-US"/>
           </a:p>
@@ -1956,7 +1956,7 @@
           <a:p>
             <a:fld id="{B1512DED-88B9-4492-B3FA-88EE7438FFD7}" type="datetimeFigureOut">
               <a:rPr lang="zh-CN" altLang="en-US" smtClean="0"/>
-              <a:t>2024/6/8</a:t>
+              <a:t>2024/10/8</a:t>
             </a:fld>
             <a:endParaRPr lang="zh-CN" altLang="en-US"/>
           </a:p>
@@ -2069,7 +2069,7 @@
           <a:p>
             <a:fld id="{B1512DED-88B9-4492-B3FA-88EE7438FFD7}" type="datetimeFigureOut">
               <a:rPr lang="zh-CN" altLang="en-US" smtClean="0"/>
-              <a:t>2024/6/8</a:t>
+              <a:t>2024/10/8</a:t>
             </a:fld>
             <a:endParaRPr lang="zh-CN" altLang="en-US"/>
           </a:p>
@@ -2380,7 +2380,7 @@
           <a:p>
             <a:fld id="{B1512DED-88B9-4492-B3FA-88EE7438FFD7}" type="datetimeFigureOut">
               <a:rPr lang="zh-CN" altLang="en-US" smtClean="0"/>
-              <a:t>2024/6/8</a:t>
+              <a:t>2024/10/8</a:t>
             </a:fld>
             <a:endParaRPr lang="zh-CN" altLang="en-US"/>
           </a:p>
@@ -2668,7 +2668,7 @@
           <a:p>
             <a:fld id="{B1512DED-88B9-4492-B3FA-88EE7438FFD7}" type="datetimeFigureOut">
               <a:rPr lang="zh-CN" altLang="en-US" smtClean="0"/>
-              <a:t>2024/6/8</a:t>
+              <a:t>2024/10/8</a:t>
             </a:fld>
             <a:endParaRPr lang="zh-CN" altLang="en-US"/>
           </a:p>
@@ -2909,7 +2909,7 @@
           <a:p>
             <a:fld id="{B1512DED-88B9-4492-B3FA-88EE7438FFD7}" type="datetimeFigureOut">
               <a:rPr lang="zh-CN" altLang="en-US" smtClean="0"/>
-              <a:t>2024/6/8</a:t>
+              <a:t>2024/10/8</a:t>
             </a:fld>
             <a:endParaRPr lang="zh-CN" altLang="en-US"/>
           </a:p>
@@ -3729,26 +3729,13 @@
           <a:p>
             <a:pPr algn="ctr"/>
             <a:r>
-              <a:rPr lang="en-US" altLang="zh-CN" sz="1100">
-                <a:latin typeface="Times New Roman" panose="02020603050405020304" pitchFamily="18" charset="0"/>
+              <a:rPr lang="zh-CN" altLang="en-US" sz="1100">
+                <a:latin typeface="宋体" panose="02010600030101010101" pitchFamily="2" charset="-122"/>
+                <a:ea typeface="宋体" panose="02010600030101010101" pitchFamily="2" charset="-122"/>
                 <a:cs typeface="Times New Roman" panose="02020603050405020304" pitchFamily="18" charset="0"/>
               </a:rPr>
-              <a:t>Preparing </a:t>
-            </a:r>
-          </a:p>
-          <a:p>
-            <a:pPr algn="ctr"/>
-            <a:r>
-              <a:rPr lang="en-US" altLang="zh-CN" sz="1100">
-                <a:latin typeface="Times New Roman" panose="02020603050405020304" pitchFamily="18" charset="0"/>
-                <a:cs typeface="Times New Roman" panose="02020603050405020304" pitchFamily="18" charset="0"/>
-              </a:rPr>
-              <a:t>Packages</a:t>
-            </a:r>
-            <a:endParaRPr lang="zh-CN" altLang="en-US" sz="1100">
-              <a:latin typeface="Times New Roman" panose="02020603050405020304" pitchFamily="18" charset="0"/>
-              <a:cs typeface="Times New Roman" panose="02020603050405020304" pitchFamily="18" charset="0"/>
-            </a:endParaRPr>
+              <a:t>第三方包准备</a:t>
+            </a:r>
           </a:p>
         </p:txBody>
       </p:sp>
@@ -3787,26 +3774,13 @@
           <a:p>
             <a:pPr algn="ctr"/>
             <a:r>
-              <a:rPr lang="en-US" altLang="zh-CN" sz="1100">
-                <a:latin typeface="Times New Roman" panose="02020603050405020304" pitchFamily="18" charset="0"/>
+              <a:rPr lang="zh-CN" altLang="en-US" sz="1100">
+                <a:latin typeface="宋体" panose="02010600030101010101" pitchFamily="2" charset="-122"/>
+                <a:ea typeface="宋体" panose="02010600030101010101" pitchFamily="2" charset="-122"/>
                 <a:cs typeface="Times New Roman" panose="02020603050405020304" pitchFamily="18" charset="0"/>
               </a:rPr>
-              <a:t>Package </a:t>
-            </a:r>
-          </a:p>
-          <a:p>
-            <a:pPr algn="ctr"/>
-            <a:r>
-              <a:rPr lang="en-US" altLang="zh-CN" sz="1100">
-                <a:latin typeface="Times New Roman" panose="02020603050405020304" pitchFamily="18" charset="0"/>
-                <a:cs typeface="Times New Roman" panose="02020603050405020304" pitchFamily="18" charset="0"/>
-              </a:rPr>
-              <a:t>Collection</a:t>
-            </a:r>
-            <a:endParaRPr lang="zh-CN" altLang="en-US" sz="1100">
-              <a:latin typeface="Times New Roman" panose="02020603050405020304" pitchFamily="18" charset="0"/>
-              <a:cs typeface="Times New Roman" panose="02020603050405020304" pitchFamily="18" charset="0"/>
-            </a:endParaRPr>
+              <a:t>第三方包收集</a:t>
+            </a:r>
           </a:p>
         </p:txBody>
       </p:sp>
@@ -3824,8 +3798,8 @@
         </p:nvSpPr>
         <p:spPr>
           <a:xfrm>
-            <a:off x="3346939" y="2896091"/>
-            <a:ext cx="888185" cy="430887"/>
+            <a:off x="3346939" y="2977371"/>
+            <a:ext cx="888185" cy="261610"/>
           </a:xfrm>
           <a:prstGeom prst="rect">
             <a:avLst/>
@@ -3845,16 +3819,13 @@
           <a:p>
             <a:pPr algn="ctr"/>
             <a:r>
-              <a:rPr lang="en-US" altLang="zh-CN" sz="1100">
-                <a:latin typeface="Times New Roman" panose="02020603050405020304" pitchFamily="18" charset="0"/>
+              <a:rPr lang="zh-CN" altLang="en-US" sz="1100">
+                <a:latin typeface="宋体" panose="02010600030101010101" pitchFamily="2" charset="-122"/>
+                <a:ea typeface="宋体" panose="02010600030101010101" pitchFamily="2" charset="-122"/>
                 <a:cs typeface="Times New Roman" panose="02020603050405020304" pitchFamily="18" charset="0"/>
               </a:rPr>
-              <a:t>Dependency Analysis</a:t>
-            </a:r>
-            <a:endParaRPr lang="zh-CN" altLang="en-US" sz="1100">
-              <a:latin typeface="Times New Roman" panose="02020603050405020304" pitchFamily="18" charset="0"/>
-              <a:cs typeface="Times New Roman" panose="02020603050405020304" pitchFamily="18" charset="0"/>
-            </a:endParaRPr>
+              <a:t>依赖分析</a:t>
+            </a:r>
           </a:p>
         </p:txBody>
       </p:sp>
@@ -3893,11 +3864,25 @@
           <a:p>
             <a:pPr algn="ctr"/>
             <a:r>
+              <a:rPr lang="zh-CN" altLang="en-US" sz="1100">
+                <a:latin typeface="Times New Roman" panose="02020603050405020304" pitchFamily="18" charset="0"/>
+                <a:cs typeface="Times New Roman" panose="02020603050405020304" pitchFamily="18" charset="0"/>
+              </a:rPr>
+              <a:t>合并</a:t>
+            </a:r>
+            <a:endParaRPr lang="en-US" altLang="zh-CN" sz="1100">
+              <a:latin typeface="Times New Roman" panose="02020603050405020304" pitchFamily="18" charset="0"/>
+              <a:cs typeface="Times New Roman" panose="02020603050405020304" pitchFamily="18" charset="0"/>
+            </a:endParaRPr>
+          </a:p>
+          <a:p>
+            <a:pPr algn="ctr"/>
+            <a:r>
               <a:rPr lang="en-US" altLang="zh-CN" sz="1100">
                 <a:latin typeface="Times New Roman" panose="02020603050405020304" pitchFamily="18" charset="0"/>
                 <a:cs typeface="Times New Roman" panose="02020603050405020304" pitchFamily="18" charset="0"/>
               </a:rPr>
-              <a:t>Merging R-PDGs</a:t>
+              <a:t> R-PDGs</a:t>
             </a:r>
             <a:endParaRPr lang="zh-CN" altLang="en-US" sz="1100">
               <a:latin typeface="Times New Roman" panose="02020603050405020304" pitchFamily="18" charset="0"/>
@@ -3976,12 +3961,16 @@
                 <a:latin typeface="Times New Roman" panose="02020603050405020304" pitchFamily="18" charset="0"/>
                 <a:cs typeface="Times New Roman" panose="02020603050405020304" pitchFamily="18" charset="0"/>
               </a:rPr>
-              <a:t>Ubuntu System</a:t>
-            </a:r>
-            <a:endParaRPr lang="zh-CN" altLang="en-US" sz="1200">
-              <a:latin typeface="Times New Roman" panose="02020603050405020304" pitchFamily="18" charset="0"/>
-              <a:cs typeface="Times New Roman" panose="02020603050405020304" pitchFamily="18" charset="0"/>
-            </a:endParaRPr>
+              <a:t>Ubuntu </a:t>
+            </a:r>
+            <a:r>
+              <a:rPr lang="zh-CN" altLang="en-US" sz="1200">
+                <a:latin typeface="宋体" panose="02010600030101010101" pitchFamily="2" charset="-122"/>
+                <a:ea typeface="宋体" panose="02010600030101010101" pitchFamily="2" charset="-122"/>
+                <a:cs typeface="Times New Roman" panose="02020603050405020304" pitchFamily="18" charset="0"/>
+              </a:rPr>
+              <a:t>系统</a:t>
+            </a:r>
           </a:p>
         </p:txBody>
       </p:sp>
@@ -4035,7 +4024,7 @@
         </p:nvSpPr>
         <p:spPr>
           <a:xfrm>
-            <a:off x="-207529" y="4131453"/>
+            <a:off x="-222769" y="4131453"/>
             <a:ext cx="2256029" cy="276999"/>
           </a:xfrm>
           <a:prstGeom prst="rect">
@@ -4051,16 +4040,13 @@
           <a:p>
             <a:pPr algn="ctr"/>
             <a:r>
-              <a:rPr lang="en-US" altLang="zh-CN" sz="1200">
-                <a:latin typeface="Times New Roman" panose="02020603050405020304" pitchFamily="18" charset="0"/>
+              <a:rPr lang="zh-CN" altLang="en-US" sz="1200">
+                <a:latin typeface="宋体" panose="02010600030101010101" pitchFamily="2" charset="-122"/>
+                <a:ea typeface="宋体" panose="02010600030101010101" pitchFamily="2" charset="-122"/>
                 <a:cs typeface="Times New Roman" panose="02020603050405020304" pitchFamily="18" charset="0"/>
               </a:rPr>
-              <a:t>Install Commands </a:t>
-            </a:r>
-            <a:endParaRPr lang="zh-CN" altLang="en-US" sz="1200">
-              <a:latin typeface="Times New Roman" panose="02020603050405020304" pitchFamily="18" charset="0"/>
-              <a:cs typeface="Times New Roman" panose="02020603050405020304" pitchFamily="18" charset="0"/>
-            </a:endParaRPr>
+              <a:t>安装命令</a:t>
+            </a:r>
           </a:p>
         </p:txBody>
       </p:sp>
@@ -4078,7 +4064,7 @@
         </p:nvSpPr>
         <p:spPr>
           <a:xfrm>
-            <a:off x="1632366" y="1931067"/>
+            <a:off x="1547961" y="1929934"/>
             <a:ext cx="2256029" cy="276999"/>
           </a:xfrm>
           <a:prstGeom prst="rect">
@@ -4094,16 +4080,13 @@
           <a:p>
             <a:pPr algn="ctr"/>
             <a:r>
-              <a:rPr lang="en-US" altLang="zh-CN" sz="1200">
-                <a:latin typeface="Times New Roman" panose="02020603050405020304" pitchFamily="18" charset="0"/>
+              <a:rPr lang="zh-CN" altLang="en-US" sz="1200">
+                <a:latin typeface="宋体" panose="02010600030101010101" pitchFamily="2" charset="-122"/>
+                <a:ea typeface="宋体" panose="02010600030101010101" pitchFamily="2" charset="-122"/>
                 <a:cs typeface="Times New Roman" panose="02020603050405020304" pitchFamily="18" charset="0"/>
               </a:rPr>
-              <a:t>Build Database Offline</a:t>
-            </a:r>
-            <a:endParaRPr lang="zh-CN" altLang="en-US" sz="1200">
-              <a:latin typeface="Times New Roman" panose="02020603050405020304" pitchFamily="18" charset="0"/>
-              <a:cs typeface="Times New Roman" panose="02020603050405020304" pitchFamily="18" charset="0"/>
-            </a:endParaRPr>
+              <a:t>离线构建数据库</a:t>
+            </a:r>
           </a:p>
         </p:txBody>
       </p:sp>
@@ -4169,7 +4152,7 @@
         </p:nvSpPr>
         <p:spPr>
           <a:xfrm>
-            <a:off x="1952416" y="4178278"/>
+            <a:off x="1753412" y="4177773"/>
             <a:ext cx="2694344" cy="276999"/>
           </a:xfrm>
           <a:prstGeom prst="rect">
@@ -4185,16 +4168,29 @@
           <a:p>
             <a:pPr algn="ctr"/>
             <a:r>
-              <a:rPr lang="en-US" altLang="zh-CN" sz="1200">
-                <a:latin typeface="Times New Roman" panose="02020603050405020304" pitchFamily="18" charset="0"/>
+              <a:rPr lang="zh-CN" altLang="en-US" sz="1200">
+                <a:latin typeface="宋体" panose="02010600030101010101" pitchFamily="2" charset="-122"/>
+                <a:ea typeface="宋体" panose="02010600030101010101" pitchFamily="2" charset="-122"/>
                 <a:cs typeface="Times New Roman" panose="02020603050405020304" pitchFamily="18" charset="0"/>
               </a:rPr>
-              <a:t>Predict, Detect And Fix CC Issue Online</a:t>
-            </a:r>
-            <a:endParaRPr lang="zh-CN" altLang="en-US" sz="1200">
-              <a:latin typeface="Times New Roman" panose="02020603050405020304" pitchFamily="18" charset="0"/>
-              <a:cs typeface="Times New Roman" panose="02020603050405020304" pitchFamily="18" charset="0"/>
-            </a:endParaRPr>
+              <a:t>在线预测、检测和修复</a:t>
+            </a:r>
+            <a:r>
+              <a:rPr lang="en-US" altLang="zh-CN" sz="1200">
+                <a:latin typeface="宋体" panose="02010600030101010101" pitchFamily="2" charset="-122"/>
+                <a:ea typeface="宋体" panose="02010600030101010101" pitchFamily="2" charset="-122"/>
+                <a:cs typeface="Times New Roman" panose="02020603050405020304" pitchFamily="18" charset="0"/>
+              </a:rPr>
+              <a:t>CC</a:t>
+            </a:r>
+            <a:r>
+              <a:rPr lang="zh-CN" altLang="en-US" sz="1200">
+                <a:latin typeface="宋体" panose="02010600030101010101" pitchFamily="2" charset="-122"/>
+                <a:ea typeface="宋体" panose="02010600030101010101" pitchFamily="2" charset="-122"/>
+                <a:cs typeface="Times New Roman" panose="02020603050405020304" pitchFamily="18" charset="0"/>
+              </a:rPr>
+              <a:t>问题</a:t>
+            </a:r>
           </a:p>
         </p:txBody>
       </p:sp>
@@ -4368,14 +4364,27 @@
             <a:r>
               <a:rPr lang="en-US" altLang="zh-CN" sz="1200">
                 <a:latin typeface="Times New Roman" panose="02020603050405020304" pitchFamily="18" charset="0"/>
+                <a:ea typeface="宋体" panose="02010600030101010101" pitchFamily="2" charset="-122"/>
                 <a:cs typeface="Times New Roman" panose="02020603050405020304" pitchFamily="18" charset="0"/>
               </a:rPr>
-              <a:t>PyPI Repository</a:t>
-            </a:r>
-            <a:endParaRPr lang="zh-CN" altLang="en-US" sz="1200">
-              <a:latin typeface="Times New Roman" panose="02020603050405020304" pitchFamily="18" charset="0"/>
-              <a:cs typeface="Times New Roman" panose="02020603050405020304" pitchFamily="18" charset="0"/>
-            </a:endParaRPr>
+              <a:t>PyPI</a:t>
+            </a:r>
+            <a:r>
+              <a:rPr lang="en-US" altLang="zh-CN" sz="1200">
+                <a:latin typeface="宋体" panose="02010600030101010101" pitchFamily="2" charset="-122"/>
+                <a:ea typeface="宋体" panose="02010600030101010101" pitchFamily="2" charset="-122"/>
+                <a:cs typeface="Times New Roman" panose="02020603050405020304" pitchFamily="18" charset="0"/>
+              </a:rPr>
+              <a:t> </a:t>
+            </a:r>
+            <a:r>
+              <a:rPr lang="zh-CN" altLang="en-US" sz="1200">
+                <a:latin typeface="宋体" panose="02010600030101010101" pitchFamily="2" charset="-122"/>
+                <a:ea typeface="宋体" panose="02010600030101010101" pitchFamily="2" charset="-122"/>
+                <a:cs typeface="Times New Roman" panose="02020603050405020304" pitchFamily="18" charset="0"/>
+              </a:rPr>
+              <a:t>仓库</a:t>
+            </a:r>
           </a:p>
         </p:txBody>
       </p:sp>
@@ -4411,14 +4420,27 @@
             <a:r>
               <a:rPr lang="en-US" altLang="zh-CN" sz="1200">
                 <a:latin typeface="Times New Roman" panose="02020603050405020304" pitchFamily="18" charset="0"/>
+                <a:ea typeface="宋体" panose="02010600030101010101" pitchFamily="2" charset="-122"/>
                 <a:cs typeface="Times New Roman" panose="02020603050405020304" pitchFamily="18" charset="0"/>
               </a:rPr>
-              <a:t>Ubuntu Repository</a:t>
-            </a:r>
-            <a:endParaRPr lang="zh-CN" altLang="en-US" sz="1200">
-              <a:latin typeface="Times New Roman" panose="02020603050405020304" pitchFamily="18" charset="0"/>
-              <a:cs typeface="Times New Roman" panose="02020603050405020304" pitchFamily="18" charset="0"/>
-            </a:endParaRPr>
+              <a:t>Ubuntu</a:t>
+            </a:r>
+            <a:r>
+              <a:rPr lang="en-US" altLang="zh-CN" sz="1200">
+                <a:latin typeface="宋体" panose="02010600030101010101" pitchFamily="2" charset="-122"/>
+                <a:ea typeface="宋体" panose="02010600030101010101" pitchFamily="2" charset="-122"/>
+                <a:cs typeface="Times New Roman" panose="02020603050405020304" pitchFamily="18" charset="0"/>
+              </a:rPr>
+              <a:t> </a:t>
+            </a:r>
+            <a:r>
+              <a:rPr lang="zh-CN" altLang="en-US" sz="1200">
+                <a:latin typeface="宋体" panose="02010600030101010101" pitchFamily="2" charset="-122"/>
+                <a:ea typeface="宋体" panose="02010600030101010101" pitchFamily="2" charset="-122"/>
+                <a:cs typeface="Times New Roman" panose="02020603050405020304" pitchFamily="18" charset="0"/>
+              </a:rPr>
+              <a:t>仓库</a:t>
+            </a:r>
           </a:p>
         </p:txBody>
       </p:sp>
@@ -4488,7 +4510,7 @@
         </p:nvSpPr>
         <p:spPr>
           <a:xfrm>
-            <a:off x="3524054" y="2232575"/>
+            <a:off x="3285294" y="2232575"/>
             <a:ext cx="2043796" cy="261610"/>
           </a:xfrm>
           <a:prstGeom prst="rect">
@@ -4504,16 +4526,13 @@
           <a:p>
             <a:pPr algn="ctr"/>
             <a:r>
-              <a:rPr lang="en-US" altLang="zh-CN" sz="1100">
-                <a:latin typeface="Times New Roman" panose="02020603050405020304" pitchFamily="18" charset="0"/>
+              <a:rPr lang="zh-CN" altLang="en-US" sz="1100">
+                <a:latin typeface="宋体" panose="02010600030101010101" pitchFamily="2" charset="-122"/>
+                <a:ea typeface="宋体" panose="02010600030101010101" pitchFamily="2" charset="-122"/>
                 <a:cs typeface="Times New Roman" panose="02020603050405020304" pitchFamily="18" charset="0"/>
               </a:rPr>
-              <a:t>Compatibility Database</a:t>
-            </a:r>
-            <a:endParaRPr lang="zh-CN" altLang="en-US" sz="1100">
-              <a:latin typeface="Times New Roman" panose="02020603050405020304" pitchFamily="18" charset="0"/>
-              <a:cs typeface="Times New Roman" panose="02020603050405020304" pitchFamily="18" charset="0"/>
-            </a:endParaRPr>
+              <a:t>兼容性数据库</a:t>
+            </a:r>
           </a:p>
         </p:txBody>
       </p:sp>
@@ -4622,7 +4641,7 @@
         </p:nvSpPr>
         <p:spPr>
           <a:xfrm>
-            <a:off x="2506511" y="5231370"/>
+            <a:off x="2506511" y="5246610"/>
             <a:ext cx="2632474" cy="261610"/>
           </a:xfrm>
           <a:prstGeom prst="rect">
@@ -4642,12 +4661,16 @@
                 <a:latin typeface="Times New Roman" panose="02020603050405020304" pitchFamily="18" charset="0"/>
                 <a:cs typeface="Times New Roman" panose="02020603050405020304" pitchFamily="18" charset="0"/>
               </a:rPr>
-              <a:t>CC Issue Report And Fixing Advice</a:t>
-            </a:r>
-            <a:endParaRPr lang="zh-CN" altLang="en-US" sz="1100">
-              <a:latin typeface="Times New Roman" panose="02020603050405020304" pitchFamily="18" charset="0"/>
-              <a:cs typeface="Times New Roman" panose="02020603050405020304" pitchFamily="18" charset="0"/>
-            </a:endParaRPr>
+              <a:t>CC</a:t>
+            </a:r>
+            <a:r>
+              <a:rPr lang="zh-CN" altLang="en-US" sz="1100">
+                <a:latin typeface="宋体" panose="02010600030101010101" pitchFamily="2" charset="-122"/>
+                <a:ea typeface="宋体" panose="02010600030101010101" pitchFamily="2" charset="-122"/>
+                <a:cs typeface="Times New Roman" panose="02020603050405020304" pitchFamily="18" charset="0"/>
+              </a:rPr>
+              <a:t>问题报告和修复建议</a:t>
+            </a:r>
           </a:p>
         </p:txBody>
       </p:sp>
@@ -4665,7 +4688,7 @@
         </p:nvSpPr>
         <p:spPr>
           <a:xfrm>
-            <a:off x="369147" y="2881141"/>
+            <a:off x="377799" y="2895158"/>
             <a:ext cx="2256029" cy="246221"/>
           </a:xfrm>
           <a:prstGeom prst="rect">
@@ -4681,11 +4704,19 @@
           <a:p>
             <a:pPr algn="ctr"/>
             <a:r>
+              <a:rPr lang="zh-CN" altLang="en-US" sz="1000">
+                <a:latin typeface="宋体" panose="02010600030101010101" pitchFamily="2" charset="-122"/>
+                <a:ea typeface="宋体" panose="02010600030101010101" pitchFamily="2" charset="-122"/>
+                <a:cs typeface="Times New Roman" panose="02020603050405020304" pitchFamily="18" charset="0"/>
+              </a:rPr>
+              <a:t>目录</a:t>
+            </a:r>
+            <a:r>
               <a:rPr lang="en-US" altLang="zh-CN" sz="1000">
                 <a:latin typeface="Times New Roman" panose="02020603050405020304" pitchFamily="18" charset="0"/>
                 <a:cs typeface="Times New Roman" panose="02020603050405020304" pitchFamily="18" charset="0"/>
               </a:rPr>
-              <a:t>Directories </a:t>
+              <a:t> </a:t>
             </a:r>
           </a:p>
         </p:txBody>
@@ -4820,12 +4851,18 @@
           <a:p>
             <a:pPr algn="ctr"/>
             <a:r>
-              <a:rPr lang="en-US" altLang="zh-CN" sz="1000">
-                <a:latin typeface="Times New Roman" panose="02020603050405020304" pitchFamily="18" charset="0"/>
+              <a:rPr lang="zh-CN" altLang="en-US" sz="1000">
+                <a:latin typeface="宋体" panose="02010600030101010101" pitchFamily="2" charset="-122"/>
+                <a:ea typeface="宋体" panose="02010600030101010101" pitchFamily="2" charset="-122"/>
                 <a:cs typeface="Times New Roman" panose="02020603050405020304" pitchFamily="18" charset="0"/>
               </a:rPr>
-              <a:t>Index</a:t>
-            </a:r>
+              <a:t>索引</a:t>
+            </a:r>
+            <a:endParaRPr lang="en-US" altLang="zh-CN" sz="1000">
+              <a:latin typeface="宋体" panose="02010600030101010101" pitchFamily="2" charset="-122"/>
+              <a:ea typeface="宋体" panose="02010600030101010101" pitchFamily="2" charset="-122"/>
+              <a:cs typeface="Times New Roman" panose="02020603050405020304" pitchFamily="18" charset="0"/>
+            </a:endParaRPr>
           </a:p>
         </p:txBody>
       </p:sp>
@@ -4843,7 +4880,7 @@
         </p:nvSpPr>
         <p:spPr>
           <a:xfrm>
-            <a:off x="220002" y="592145"/>
+            <a:off x="216453" y="586806"/>
             <a:ext cx="2256029" cy="246221"/>
           </a:xfrm>
           <a:prstGeom prst="rect">
@@ -4859,12 +4896,16 @@
           <a:p>
             <a:pPr algn="ctr"/>
             <a:r>
-              <a:rPr lang="en-US" altLang="zh-CN" sz="1000">
+              <a:rPr lang="zh-CN" altLang="en-US" sz="1000">
                 <a:latin typeface="Times New Roman" panose="02020603050405020304" pitchFamily="18" charset="0"/>
                 <a:cs typeface="Times New Roman" panose="02020603050405020304" pitchFamily="18" charset="0"/>
               </a:rPr>
-              <a:t>Index</a:t>
-            </a:r>
+              <a:t>索引</a:t>
+            </a:r>
+            <a:endParaRPr lang="en-US" altLang="zh-CN" sz="1000">
+              <a:latin typeface="Times New Roman" panose="02020603050405020304" pitchFamily="18" charset="0"/>
+              <a:cs typeface="Times New Roman" panose="02020603050405020304" pitchFamily="18" charset="0"/>
+            </a:endParaRPr>
           </a:p>
         </p:txBody>
       </p:sp>
@@ -4898,12 +4939,18 @@
           <a:p>
             <a:pPr algn="ctr"/>
             <a:r>
-              <a:rPr lang="en-US" altLang="zh-CN" sz="1000">
-                <a:latin typeface="Times New Roman" panose="02020603050405020304" pitchFamily="18" charset="0"/>
+              <a:rPr lang="zh-CN" altLang="en-US" sz="1000">
+                <a:latin typeface="宋体" panose="02010600030101010101" pitchFamily="2" charset="-122"/>
+                <a:ea typeface="宋体" panose="02010600030101010101" pitchFamily="2" charset="-122"/>
                 <a:cs typeface="Times New Roman" panose="02020603050405020304" pitchFamily="18" charset="0"/>
               </a:rPr>
-              <a:t>Update</a:t>
-            </a:r>
+              <a:t>更新</a:t>
+            </a:r>
+            <a:endParaRPr lang="en-US" altLang="zh-CN" sz="1000">
+              <a:latin typeface="宋体" panose="02010600030101010101" pitchFamily="2" charset="-122"/>
+              <a:ea typeface="宋体" panose="02010600030101010101" pitchFamily="2" charset="-122"/>
+              <a:cs typeface="Times New Roman" panose="02020603050405020304" pitchFamily="18" charset="0"/>
+            </a:endParaRPr>
           </a:p>
         </p:txBody>
       </p:sp>
@@ -4942,26 +4989,13 @@
           <a:p>
             <a:pPr algn="ctr"/>
             <a:r>
-              <a:rPr lang="en-US" altLang="zh-CN" sz="1100">
-                <a:latin typeface="Times New Roman" panose="02020603050405020304" pitchFamily="18" charset="0"/>
+              <a:rPr lang="zh-CN" altLang="en-US" sz="1100">
+                <a:latin typeface="宋体" panose="02010600030101010101" pitchFamily="2" charset="-122"/>
+                <a:ea typeface="宋体" panose="02010600030101010101" pitchFamily="2" charset="-122"/>
                 <a:cs typeface="Times New Roman" panose="02020603050405020304" pitchFamily="18" charset="0"/>
               </a:rPr>
-              <a:t>Dry run</a:t>
-            </a:r>
-          </a:p>
-          <a:p>
-            <a:pPr algn="ctr"/>
-            <a:r>
-              <a:rPr lang="en-US" altLang="zh-CN" sz="1100">
-                <a:latin typeface="Times New Roman" panose="02020603050405020304" pitchFamily="18" charset="0"/>
-                <a:cs typeface="Times New Roman" panose="02020603050405020304" pitchFamily="18" charset="0"/>
-              </a:rPr>
-              <a:t>Script</a:t>
-            </a:r>
-            <a:endParaRPr lang="zh-CN" altLang="en-US" sz="1100">
-              <a:latin typeface="Times New Roman" panose="02020603050405020304" pitchFamily="18" charset="0"/>
-              <a:cs typeface="Times New Roman" panose="02020603050405020304" pitchFamily="18" charset="0"/>
-            </a:endParaRPr>
+              <a:t>试运行脚本</a:t>
+            </a:r>
           </a:p>
         </p:txBody>
       </p:sp>
@@ -4982,9 +5016,9 @@
           <p:nvPr/>
         </p:nvCxnSpPr>
         <p:spPr>
-          <a:xfrm>
-            <a:off x="2898883" y="3109552"/>
-            <a:ext cx="448056" cy="1983"/>
+          <a:xfrm flipV="1">
+            <a:off x="2898883" y="3108176"/>
+            <a:ext cx="448056" cy="1376"/>
           </a:xfrm>
           <a:prstGeom prst="straightConnector1">
             <a:avLst/>
@@ -5029,8 +5063,8 @@
         </p:nvCxnSpPr>
         <p:spPr>
           <a:xfrm>
-            <a:off x="4235124" y="3111535"/>
-            <a:ext cx="521605" cy="263"/>
+            <a:off x="4235124" y="3108176"/>
+            <a:ext cx="521605" cy="3622"/>
           </a:xfrm>
           <a:prstGeom prst="straightConnector1">
             <a:avLst/>
@@ -5201,7 +5235,7 @@
         </p:nvSpPr>
         <p:spPr>
           <a:xfrm>
-            <a:off x="356955" y="3926472"/>
+            <a:off x="356955" y="3946792"/>
             <a:ext cx="2256029" cy="246221"/>
           </a:xfrm>
           <a:prstGeom prst="rect">
@@ -5217,12 +5251,18 @@
           <a:p>
             <a:pPr algn="ctr"/>
             <a:r>
-              <a:rPr lang="en-US" altLang="zh-CN" sz="1000">
-                <a:latin typeface="Times New Roman" panose="02020603050405020304" pitchFamily="18" charset="0"/>
+              <a:rPr lang="zh-CN" altLang="en-US" sz="1000">
+                <a:latin typeface="宋体" panose="02010600030101010101" pitchFamily="2" charset="-122"/>
+                <a:ea typeface="宋体" panose="02010600030101010101" pitchFamily="2" charset="-122"/>
                 <a:cs typeface="Times New Roman" panose="02020603050405020304" pitchFamily="18" charset="0"/>
               </a:rPr>
-              <a:t>Command</a:t>
-            </a:r>
+              <a:t>命令</a:t>
+            </a:r>
+            <a:endParaRPr lang="en-US" altLang="zh-CN" sz="1000">
+              <a:latin typeface="宋体" panose="02010600030101010101" pitchFamily="2" charset="-122"/>
+              <a:ea typeface="宋体" panose="02010600030101010101" pitchFamily="2" charset="-122"/>
+              <a:cs typeface="Times New Roman" panose="02020603050405020304" pitchFamily="18" charset="0"/>
+            </a:endParaRPr>
           </a:p>
         </p:txBody>
       </p:sp>
@@ -5261,16 +5301,36 @@
           <a:p>
             <a:pPr algn="ctr"/>
             <a:r>
+              <a:rPr lang="zh-CN" altLang="en-US" sz="1100">
+                <a:latin typeface="宋体" panose="02010600030101010101" pitchFamily="2" charset="-122"/>
+                <a:ea typeface="宋体" panose="02010600030101010101" pitchFamily="2" charset="-122"/>
+                <a:cs typeface="Times New Roman" panose="02020603050405020304" pitchFamily="18" charset="0"/>
+              </a:rPr>
+              <a:t>预测</a:t>
+            </a:r>
+            <a:endParaRPr lang="en-US" altLang="zh-CN" sz="1100">
+              <a:latin typeface="宋体" panose="02010600030101010101" pitchFamily="2" charset="-122"/>
+              <a:ea typeface="宋体" panose="02010600030101010101" pitchFamily="2" charset="-122"/>
+              <a:cs typeface="Times New Roman" panose="02020603050405020304" pitchFamily="18" charset="0"/>
+            </a:endParaRPr>
+          </a:p>
+          <a:p>
+            <a:pPr algn="ctr"/>
+            <a:r>
               <a:rPr lang="en-US" altLang="zh-CN" sz="1100">
                 <a:latin typeface="Times New Roman" panose="02020603050405020304" pitchFamily="18" charset="0"/>
                 <a:cs typeface="Times New Roman" panose="02020603050405020304" pitchFamily="18" charset="0"/>
               </a:rPr>
-              <a:t>Predicting CC Issue</a:t>
-            </a:r>
-            <a:endParaRPr lang="zh-CN" altLang="en-US" sz="1100">
-              <a:latin typeface="Times New Roman" panose="02020603050405020304" pitchFamily="18" charset="0"/>
-              <a:cs typeface="Times New Roman" panose="02020603050405020304" pitchFamily="18" charset="0"/>
-            </a:endParaRPr>
+              <a:t> CC </a:t>
+            </a:r>
+            <a:r>
+              <a:rPr lang="zh-CN" altLang="en-US" sz="1100">
+                <a:latin typeface="宋体" panose="02010600030101010101" pitchFamily="2" charset="-122"/>
+                <a:ea typeface="宋体" panose="02010600030101010101" pitchFamily="2" charset="-122"/>
+                <a:cs typeface="Times New Roman" panose="02020603050405020304" pitchFamily="18" charset="0"/>
+              </a:rPr>
+              <a:t>问题</a:t>
+            </a:r>
           </a:p>
         </p:txBody>
       </p:sp>
@@ -5442,8 +5502,8 @@
         </p:nvSpPr>
         <p:spPr>
           <a:xfrm>
-            <a:off x="2928704" y="1468314"/>
-            <a:ext cx="785283" cy="430887"/>
+            <a:off x="2928704" y="1549594"/>
+            <a:ext cx="785283" cy="261610"/>
           </a:xfrm>
           <a:prstGeom prst="rect">
             <a:avLst/>
@@ -5467,7 +5527,22 @@
                 <a:latin typeface="Times New Roman" panose="02020603050405020304" pitchFamily="18" charset="0"/>
                 <a:cs typeface="Times New Roman" panose="02020603050405020304" pitchFamily="18" charset="0"/>
               </a:rPr>
-              <a:t>API Extraction </a:t>
+              <a:t>API </a:t>
+            </a:r>
+            <a:r>
+              <a:rPr lang="zh-CN" altLang="en-US" sz="1100">
+                <a:latin typeface="宋体" panose="02010600030101010101" pitchFamily="2" charset="-122"/>
+                <a:ea typeface="宋体" panose="02010600030101010101" pitchFamily="2" charset="-122"/>
+                <a:cs typeface="Times New Roman" panose="02020603050405020304" pitchFamily="18" charset="0"/>
+              </a:rPr>
+              <a:t>提取</a:t>
+            </a:r>
+            <a:r>
+              <a:rPr lang="en-US" altLang="zh-CN" sz="1100">
+                <a:latin typeface="Times New Roman" panose="02020603050405020304" pitchFamily="18" charset="0"/>
+                <a:cs typeface="Times New Roman" panose="02020603050405020304" pitchFamily="18" charset="0"/>
+              </a:rPr>
+              <a:t> </a:t>
             </a:r>
             <a:endParaRPr lang="zh-CN" altLang="en-US" sz="1100">
               <a:latin typeface="Times New Roman" panose="02020603050405020304" pitchFamily="18" charset="0"/>
@@ -5490,8 +5565,8 @@
         </p:nvSpPr>
         <p:spPr>
           <a:xfrm>
-            <a:off x="3942389" y="1468314"/>
-            <a:ext cx="1602247" cy="430887"/>
+            <a:off x="3942389" y="1549594"/>
+            <a:ext cx="1602247" cy="261610"/>
           </a:xfrm>
           <a:prstGeom prst="rect">
             <a:avLst/>
@@ -5512,15 +5587,20 @@
             <a:pPr algn="ctr"/>
             <a:r>
               <a:rPr lang="en-US" altLang="zh-CN" sz="1100">
-                <a:latin typeface="Times New Roman" panose="02020603050405020304" pitchFamily="18" charset="0"/>
+                <a:latin typeface="宋体" panose="02010600030101010101" pitchFamily="2" charset="-122"/>
+                <a:ea typeface="宋体" panose="02010600030101010101" pitchFamily="2" charset="-122"/>
                 <a:cs typeface="Times New Roman" panose="02020603050405020304" pitchFamily="18" charset="0"/>
               </a:rPr>
-              <a:t> Analyzing Incompatible Changes</a:t>
-            </a:r>
-            <a:endParaRPr lang="zh-CN" altLang="en-US" sz="1100">
-              <a:latin typeface="Times New Roman" panose="02020603050405020304" pitchFamily="18" charset="0"/>
-              <a:cs typeface="Times New Roman" panose="02020603050405020304" pitchFamily="18" charset="0"/>
-            </a:endParaRPr>
+              <a:t> </a:t>
+            </a:r>
+            <a:r>
+              <a:rPr lang="zh-CN" altLang="en-US" sz="1100">
+                <a:latin typeface="宋体" panose="02010600030101010101" pitchFamily="2" charset="-122"/>
+                <a:ea typeface="宋体" panose="02010600030101010101" pitchFamily="2" charset="-122"/>
+                <a:cs typeface="Times New Roman" panose="02020603050405020304" pitchFamily="18" charset="0"/>
+              </a:rPr>
+              <a:t>分析不兼容更改</a:t>
+            </a:r>
           </a:p>
         </p:txBody>
       </p:sp>
@@ -5559,16 +5639,34 @@
           <a:p>
             <a:pPr algn="ctr"/>
             <a:r>
+              <a:rPr lang="zh-CN" altLang="en-US" sz="1100">
+                <a:latin typeface="Times New Roman" panose="02020603050405020304" pitchFamily="18" charset="0"/>
+                <a:cs typeface="Times New Roman" panose="02020603050405020304" pitchFamily="18" charset="0"/>
+              </a:rPr>
+              <a:t>检测</a:t>
+            </a:r>
+            <a:endParaRPr lang="en-US" altLang="zh-CN" sz="1100">
+              <a:latin typeface="Times New Roman" panose="02020603050405020304" pitchFamily="18" charset="0"/>
+              <a:cs typeface="Times New Roman" panose="02020603050405020304" pitchFamily="18" charset="0"/>
+            </a:endParaRPr>
+          </a:p>
+          <a:p>
+            <a:pPr algn="ctr"/>
+            <a:r>
               <a:rPr lang="en-US" altLang="zh-CN" sz="1100">
                 <a:latin typeface="Times New Roman" panose="02020603050405020304" pitchFamily="18" charset="0"/>
                 <a:cs typeface="Times New Roman" panose="02020603050405020304" pitchFamily="18" charset="0"/>
               </a:rPr>
-              <a:t>Detecting CC Issue</a:t>
-            </a:r>
-            <a:endParaRPr lang="zh-CN" altLang="en-US" sz="1100">
-              <a:latin typeface="Times New Roman" panose="02020603050405020304" pitchFamily="18" charset="0"/>
-              <a:cs typeface="Times New Roman" panose="02020603050405020304" pitchFamily="18" charset="0"/>
-            </a:endParaRPr>
+              <a:t> CC </a:t>
+            </a:r>
+            <a:r>
+              <a:rPr lang="zh-CN" altLang="en-US" sz="1100">
+                <a:latin typeface="宋体" panose="02010600030101010101" pitchFamily="2" charset="-122"/>
+                <a:ea typeface="宋体" panose="02010600030101010101" pitchFamily="2" charset="-122"/>
+                <a:cs typeface="Times New Roman" panose="02020603050405020304" pitchFamily="18" charset="0"/>
+              </a:rPr>
+              <a:t>问题</a:t>
+            </a:r>
           </a:p>
         </p:txBody>
       </p:sp>
@@ -5607,22 +5705,41 @@
           <a:p>
             <a:pPr algn="ctr"/>
             <a:r>
+              <a:rPr lang="zh-CN" altLang="en-US" sz="1100">
+                <a:latin typeface="宋体" panose="02010600030101010101" pitchFamily="2" charset="-122"/>
+                <a:ea typeface="宋体" panose="02010600030101010101" pitchFamily="2" charset="-122"/>
+                <a:cs typeface="Times New Roman" panose="02020603050405020304" pitchFamily="18" charset="0"/>
+              </a:rPr>
+              <a:t>修复</a:t>
+            </a:r>
+            <a:endParaRPr lang="en-US" altLang="zh-CN" sz="1100">
+              <a:latin typeface="宋体" panose="02010600030101010101" pitchFamily="2" charset="-122"/>
+              <a:ea typeface="宋体" panose="02010600030101010101" pitchFamily="2" charset="-122"/>
+              <a:cs typeface="Times New Roman" panose="02020603050405020304" pitchFamily="18" charset="0"/>
+            </a:endParaRPr>
+          </a:p>
+          <a:p>
+            <a:pPr algn="ctr"/>
+            <a:r>
               <a:rPr lang="en-US" altLang="zh-CN" sz="1100">
                 <a:latin typeface="Times New Roman" panose="02020603050405020304" pitchFamily="18" charset="0"/>
                 <a:cs typeface="Times New Roman" panose="02020603050405020304" pitchFamily="18" charset="0"/>
               </a:rPr>
-              <a:t>Fixing</a:t>
-            </a:r>
-          </a:p>
-          <a:p>
-            <a:pPr algn="ctr"/>
-            <a:r>
-              <a:rPr lang="en-US" altLang="zh-CN" sz="1100">
-                <a:latin typeface="Times New Roman" panose="02020603050405020304" pitchFamily="18" charset="0"/>
+              <a:t>CC </a:t>
+            </a:r>
+            <a:r>
+              <a:rPr lang="zh-CN" altLang="en-US" sz="1100">
+                <a:latin typeface="宋体" panose="02010600030101010101" pitchFamily="2" charset="-122"/>
+                <a:ea typeface="宋体" panose="02010600030101010101" pitchFamily="2" charset="-122"/>
                 <a:cs typeface="Times New Roman" panose="02020603050405020304" pitchFamily="18" charset="0"/>
               </a:rPr>
-              <a:t>CC Issue</a:t>
-            </a:r>
+              <a:t>问题</a:t>
+            </a:r>
+            <a:endParaRPr lang="en-US" altLang="zh-CN" sz="1100">
+              <a:latin typeface="宋体" panose="02010600030101010101" pitchFamily="2" charset="-122"/>
+              <a:ea typeface="宋体" panose="02010600030101010101" pitchFamily="2" charset="-122"/>
+              <a:cs typeface="Times New Roman" panose="02020603050405020304" pitchFamily="18" charset="0"/>
+            </a:endParaRPr>
           </a:p>
         </p:txBody>
       </p:sp>
@@ -5644,7 +5761,7 @@
         </p:nvCxnSpPr>
         <p:spPr>
           <a:xfrm>
-            <a:off x="3713987" y="1683758"/>
+            <a:off x="3713987" y="1680399"/>
             <a:ext cx="228402" cy="0"/>
           </a:xfrm>
           <a:prstGeom prst="straightConnector1">
@@ -5686,7 +5803,7 @@
         </p:nvSpPr>
         <p:spPr>
           <a:xfrm>
-            <a:off x="2747247" y="1218550"/>
+            <a:off x="2274807" y="1218550"/>
             <a:ext cx="1846622" cy="261610"/>
           </a:xfrm>
           <a:prstGeom prst="rect">
@@ -5702,16 +5819,13 @@
           <a:p>
             <a:pPr algn="ctr"/>
             <a:r>
-              <a:rPr lang="en-US" altLang="zh-CN" sz="1100">
-                <a:latin typeface="Times New Roman" panose="02020603050405020304" pitchFamily="18" charset="0"/>
+              <a:rPr lang="zh-CN" altLang="en-US" sz="1100">
+                <a:latin typeface="宋体" panose="02010600030101010101" pitchFamily="2" charset="-122"/>
+                <a:ea typeface="宋体" panose="02010600030101010101" pitchFamily="2" charset="-122"/>
                 <a:cs typeface="Times New Roman" panose="02020603050405020304" pitchFamily="18" charset="0"/>
               </a:rPr>
-              <a:t>Building Compatibility Table</a:t>
-            </a:r>
-            <a:endParaRPr lang="zh-CN" altLang="en-US" sz="1100">
-              <a:latin typeface="Times New Roman" panose="02020603050405020304" pitchFamily="18" charset="0"/>
-              <a:cs typeface="Times New Roman" panose="02020603050405020304" pitchFamily="18" charset="0"/>
-            </a:endParaRPr>
+              <a:t>构建依赖表</a:t>
+            </a:r>
           </a:p>
         </p:txBody>
       </p:sp>
@@ -5734,11 +5848,11 @@
         <p:spPr>
           <a:xfrm>
             <a:off x="2652093" y="1260239"/>
-            <a:ext cx="276611" cy="423519"/>
+            <a:ext cx="276611" cy="420160"/>
           </a:xfrm>
           <a:prstGeom prst="bentConnector3">
             <a:avLst>
-              <a:gd name="adj1" fmla="val 28651"/>
+              <a:gd name="adj1" fmla="val 33472"/>
             </a:avLst>
           </a:prstGeom>
           <a:ln w="12700">
@@ -5876,7 +5990,7 @@
         </p:nvSpPr>
         <p:spPr>
           <a:xfrm>
-            <a:off x="968845" y="2646794"/>
+            <a:off x="740245" y="2646794"/>
             <a:ext cx="3286089" cy="430887"/>
           </a:xfrm>
           <a:prstGeom prst="rect">
@@ -5892,11 +6006,19 @@
           <a:p>
             <a:pPr algn="ctr"/>
             <a:r>
+              <a:rPr lang="zh-CN" altLang="en-US" sz="1100">
+                <a:latin typeface="宋体" panose="02010600030101010101" pitchFamily="2" charset="-122"/>
+                <a:ea typeface="宋体" panose="02010600030101010101" pitchFamily="2" charset="-122"/>
+                <a:cs typeface="Times New Roman" panose="02020603050405020304" pitchFamily="18" charset="0"/>
+              </a:rPr>
+              <a:t>构建</a:t>
+            </a:r>
+            <a:r>
               <a:rPr lang="en-US" altLang="zh-CN" sz="1100">
                 <a:latin typeface="Times New Roman" panose="02020603050405020304" pitchFamily="18" charset="0"/>
                 <a:cs typeface="Times New Roman" panose="02020603050405020304" pitchFamily="18" charset="0"/>
               </a:rPr>
-              <a:t>Constructing S-PDG</a:t>
+              <a:t> S-PDG</a:t>
             </a:r>
           </a:p>
           <a:p>
@@ -5989,8 +6111,8 @@
         </p:nvSpPr>
         <p:spPr>
           <a:xfrm>
-            <a:off x="2928704" y="685294"/>
-            <a:ext cx="1598994" cy="430887"/>
+            <a:off x="2928704" y="771654"/>
+            <a:ext cx="1598994" cy="261610"/>
           </a:xfrm>
           <a:prstGeom prst="rect">
             <a:avLst/>
@@ -6010,26 +6132,13 @@
           <a:p>
             <a:pPr algn="ctr"/>
             <a:r>
-              <a:rPr lang="en-US" altLang="zh-CN" sz="1100">
-                <a:latin typeface="Times New Roman" panose="02020603050405020304" pitchFamily="18" charset="0"/>
+              <a:rPr lang="zh-CN" altLang="en-US" sz="1100">
+                <a:latin typeface="宋体" panose="02010600030101010101" pitchFamily="2" charset="-122"/>
+                <a:ea typeface="宋体" panose="02010600030101010101" pitchFamily="2" charset="-122"/>
                 <a:cs typeface="Times New Roman" panose="02020603050405020304" pitchFamily="18" charset="0"/>
               </a:rPr>
-              <a:t>Analyzing intra-repository</a:t>
-            </a:r>
-          </a:p>
-          <a:p>
-            <a:pPr algn="ctr"/>
-            <a:r>
-              <a:rPr lang="en-US" altLang="zh-CN" sz="1100">
-                <a:latin typeface="Times New Roman" panose="02020603050405020304" pitchFamily="18" charset="0"/>
-                <a:cs typeface="Times New Roman" panose="02020603050405020304" pitchFamily="18" charset="0"/>
-              </a:rPr>
-              <a:t>Dependency</a:t>
-            </a:r>
-            <a:endParaRPr lang="zh-CN" altLang="en-US" sz="1100">
-              <a:latin typeface="Times New Roman" panose="02020603050405020304" pitchFamily="18" charset="0"/>
-              <a:cs typeface="Times New Roman" panose="02020603050405020304" pitchFamily="18" charset="0"/>
-            </a:endParaRPr>
+              <a:t>分析仓库内部依赖</a:t>
+            </a:r>
           </a:p>
         </p:txBody>
       </p:sp>
@@ -6068,26 +6177,31 @@
           <a:p>
             <a:pPr algn="ctr"/>
             <a:r>
+              <a:rPr lang="zh-CN" altLang="en-US" sz="1100">
+                <a:latin typeface="宋体" panose="02010600030101010101" pitchFamily="2" charset="-122"/>
+                <a:ea typeface="宋体" panose="02010600030101010101" pitchFamily="2" charset="-122"/>
+                <a:cs typeface="Times New Roman" panose="02020603050405020304" pitchFamily="18" charset="0"/>
+              </a:rPr>
+              <a:t>提取</a:t>
+            </a:r>
+            <a:r>
               <a:rPr lang="en-US" altLang="zh-CN" sz="1100">
                 <a:latin typeface="Times New Roman" panose="02020603050405020304" pitchFamily="18" charset="0"/>
                 <a:cs typeface="Times New Roman" panose="02020603050405020304" pitchFamily="18" charset="0"/>
               </a:rPr>
-              <a:t> API Usage</a:t>
+              <a:t>API</a:t>
             </a:r>
           </a:p>
           <a:p>
             <a:pPr algn="ctr"/>
             <a:r>
-              <a:rPr lang="en-US" altLang="zh-CN" sz="1100">
-                <a:latin typeface="Times New Roman" panose="02020603050405020304" pitchFamily="18" charset="0"/>
+              <a:rPr lang="zh-CN" altLang="en-US" sz="1100">
+                <a:latin typeface="宋体" panose="02010600030101010101" pitchFamily="2" charset="-122"/>
+                <a:ea typeface="宋体" panose="02010600030101010101" pitchFamily="2" charset="-122"/>
                 <a:cs typeface="Times New Roman" panose="02020603050405020304" pitchFamily="18" charset="0"/>
               </a:rPr>
-              <a:t>Extraction</a:t>
-            </a:r>
-            <a:endParaRPr lang="zh-CN" altLang="en-US" sz="1100">
-              <a:latin typeface="Times New Roman" panose="02020603050405020304" pitchFamily="18" charset="0"/>
-              <a:cs typeface="Times New Roman" panose="02020603050405020304" pitchFamily="18" charset="0"/>
-            </a:endParaRPr>
+              <a:t>使用</a:t>
+            </a:r>
           </a:p>
         </p:txBody>
       </p:sp>
@@ -6108,9 +6222,9 @@
           <p:nvPr/>
         </p:nvCxnSpPr>
         <p:spPr>
-          <a:xfrm>
+          <a:xfrm flipV="1">
             <a:off x="4527698" y="900738"/>
-            <a:ext cx="229030" cy="0"/>
+            <a:ext cx="229030" cy="1721"/>
           </a:xfrm>
           <a:prstGeom prst="straightConnector1">
             <a:avLst/>
@@ -6151,7 +6265,7 @@
         </p:nvSpPr>
         <p:spPr>
           <a:xfrm>
-            <a:off x="1991040" y="435530"/>
+            <a:off x="1554160" y="435530"/>
             <a:ext cx="3286089" cy="261610"/>
           </a:xfrm>
           <a:prstGeom prst="rect">
@@ -6167,16 +6281,13 @@
           <a:p>
             <a:pPr algn="ctr"/>
             <a:r>
-              <a:rPr lang="en-US" altLang="zh-CN" sz="1100">
-                <a:latin typeface="Times New Roman" panose="02020603050405020304" pitchFamily="18" charset="0"/>
+              <a:rPr lang="zh-CN" altLang="en-US" sz="1100">
+                <a:latin typeface="宋体" panose="02010600030101010101" pitchFamily="2" charset="-122"/>
+                <a:ea typeface="宋体" panose="02010600030101010101" pitchFamily="2" charset="-122"/>
                 <a:cs typeface="Times New Roman" panose="02020603050405020304" pitchFamily="18" charset="0"/>
               </a:rPr>
-              <a:t>Building Dependency Table</a:t>
-            </a:r>
-            <a:endParaRPr lang="zh-CN" altLang="en-US" sz="1100">
-              <a:latin typeface="Times New Roman" panose="02020603050405020304" pitchFamily="18" charset="0"/>
-              <a:cs typeface="Times New Roman" panose="02020603050405020304" pitchFamily="18" charset="0"/>
-            </a:endParaRPr>
+              <a:t>构建依赖表</a:t>
+            </a:r>
           </a:p>
         </p:txBody>
       </p:sp>
@@ -6198,12 +6309,12 @@
         </p:nvCxnSpPr>
         <p:spPr>
           <a:xfrm flipV="1">
-            <a:off x="2652093" y="900738"/>
-            <a:ext cx="276611" cy="359501"/>
+            <a:off x="2652093" y="902459"/>
+            <a:ext cx="276611" cy="357780"/>
           </a:xfrm>
           <a:prstGeom prst="bentConnector3">
             <a:avLst>
-              <a:gd name="adj1" fmla="val 28650"/>
+              <a:gd name="adj1" fmla="val 33472"/>
             </a:avLst>
           </a:prstGeom>
           <a:ln w="12700">
